--- a/Figures/02092022/Figure3/vst_transformed_figure3_reviewer_comment.pptx
+++ b/Figures/02092022/Figure3/vst_transformed_figure3_reviewer_comment.pptx
@@ -8,6 +8,8 @@
     <p:sldId id="259" r:id="rId2"/>
     <p:sldId id="257" r:id="rId3"/>
     <p:sldId id="258" r:id="rId4"/>
+    <p:sldId id="260" r:id="rId5"/>
+    <p:sldId id="261" r:id="rId6"/>
   </p:sldIdLst>
   <p:sldSz cx="12192000" cy="6858000"/>
   <p:notesSz cx="6858000" cy="9144000"/>
@@ -108,7 +110,18 @@
   </p:defaultTextStyle>
   <p:extLst>
     <p:ext uri="{EFAFB233-063F-42B5-8137-9DF3F51BA10A}">
-      <p15:sldGuideLst xmlns:p15="http://schemas.microsoft.com/office/powerpoint/2012/main"/>
+      <p15:sldGuideLst xmlns:p15="http://schemas.microsoft.com/office/powerpoint/2012/main">
+        <p15:guide id="1" orient="horz" pos="2160" userDrawn="1">
+          <p15:clr>
+            <a:srgbClr val="A4A3A4"/>
+          </p15:clr>
+        </p15:guide>
+        <p15:guide id="2" pos="3840" userDrawn="1">
+          <p15:clr>
+            <a:srgbClr val="A4A3A4"/>
+          </p15:clr>
+        </p15:guide>
+      </p15:sldGuideLst>
     </p:ext>
   </p:extLst>
 </p:presentation>
@@ -261,7 +274,7 @@
           <a:p>
             <a:fld id="{CAE96036-9F59-48CB-93A9-4C6E85CA766D}" type="datetimeFigureOut">
               <a:rPr lang="en-US" smtClean="0"/>
-              <a:t>9/6/2022</a:t>
+              <a:t>9/27/2022</a:t>
             </a:fld>
             <a:endParaRPr lang="en-US"/>
           </a:p>
@@ -459,7 +472,7 @@
           <a:p>
             <a:fld id="{CAE96036-9F59-48CB-93A9-4C6E85CA766D}" type="datetimeFigureOut">
               <a:rPr lang="en-US" smtClean="0"/>
-              <a:t>9/6/2022</a:t>
+              <a:t>9/27/2022</a:t>
             </a:fld>
             <a:endParaRPr lang="en-US"/>
           </a:p>
@@ -667,7 +680,7 @@
           <a:p>
             <a:fld id="{CAE96036-9F59-48CB-93A9-4C6E85CA766D}" type="datetimeFigureOut">
               <a:rPr lang="en-US" smtClean="0"/>
-              <a:t>9/6/2022</a:t>
+              <a:t>9/27/2022</a:t>
             </a:fld>
             <a:endParaRPr lang="en-US"/>
           </a:p>
@@ -865,7 +878,7 @@
           <a:p>
             <a:fld id="{CAE96036-9F59-48CB-93A9-4C6E85CA766D}" type="datetimeFigureOut">
               <a:rPr lang="en-US" smtClean="0"/>
-              <a:t>9/6/2022</a:t>
+              <a:t>9/27/2022</a:t>
             </a:fld>
             <a:endParaRPr lang="en-US"/>
           </a:p>
@@ -1140,7 +1153,7 @@
           <a:p>
             <a:fld id="{CAE96036-9F59-48CB-93A9-4C6E85CA766D}" type="datetimeFigureOut">
               <a:rPr lang="en-US" smtClean="0"/>
-              <a:t>9/6/2022</a:t>
+              <a:t>9/27/2022</a:t>
             </a:fld>
             <a:endParaRPr lang="en-US"/>
           </a:p>
@@ -1405,7 +1418,7 @@
           <a:p>
             <a:fld id="{CAE96036-9F59-48CB-93A9-4C6E85CA766D}" type="datetimeFigureOut">
               <a:rPr lang="en-US" smtClean="0"/>
-              <a:t>9/6/2022</a:t>
+              <a:t>9/27/2022</a:t>
             </a:fld>
             <a:endParaRPr lang="en-US"/>
           </a:p>
@@ -1817,7 +1830,7 @@
           <a:p>
             <a:fld id="{CAE96036-9F59-48CB-93A9-4C6E85CA766D}" type="datetimeFigureOut">
               <a:rPr lang="en-US" smtClean="0"/>
-              <a:t>9/6/2022</a:t>
+              <a:t>9/27/2022</a:t>
             </a:fld>
             <a:endParaRPr lang="en-US"/>
           </a:p>
@@ -1958,7 +1971,7 @@
           <a:p>
             <a:fld id="{CAE96036-9F59-48CB-93A9-4C6E85CA766D}" type="datetimeFigureOut">
               <a:rPr lang="en-US" smtClean="0"/>
-              <a:t>9/6/2022</a:t>
+              <a:t>9/27/2022</a:t>
             </a:fld>
             <a:endParaRPr lang="en-US"/>
           </a:p>
@@ -2071,7 +2084,7 @@
           <a:p>
             <a:fld id="{CAE96036-9F59-48CB-93A9-4C6E85CA766D}" type="datetimeFigureOut">
               <a:rPr lang="en-US" smtClean="0"/>
-              <a:t>9/6/2022</a:t>
+              <a:t>9/27/2022</a:t>
             </a:fld>
             <a:endParaRPr lang="en-US"/>
           </a:p>
@@ -2382,7 +2395,7 @@
           <a:p>
             <a:fld id="{CAE96036-9F59-48CB-93A9-4C6E85CA766D}" type="datetimeFigureOut">
               <a:rPr lang="en-US" smtClean="0"/>
-              <a:t>9/6/2022</a:t>
+              <a:t>9/27/2022</a:t>
             </a:fld>
             <a:endParaRPr lang="en-US"/>
           </a:p>
@@ -2670,7 +2683,7 @@
           <a:p>
             <a:fld id="{CAE96036-9F59-48CB-93A9-4C6E85CA766D}" type="datetimeFigureOut">
               <a:rPr lang="en-US" smtClean="0"/>
-              <a:t>9/6/2022</a:t>
+              <a:t>9/27/2022</a:t>
             </a:fld>
             <a:endParaRPr lang="en-US"/>
           </a:p>
@@ -2911,7 +2924,7 @@
           <a:p>
             <a:fld id="{CAE96036-9F59-48CB-93A9-4C6E85CA766D}" type="datetimeFigureOut">
               <a:rPr lang="en-US" smtClean="0"/>
-              <a:t>9/6/2022</a:t>
+              <a:t>9/27/2022</a:t>
             </a:fld>
             <a:endParaRPr lang="en-US"/>
           </a:p>
@@ -3611,6 +3624,716 @@
           <a:chExt cx="0" cy="0"/>
         </a:xfrm>
       </p:grpSpPr>
+      <p:grpSp>
+        <p:nvGrpSpPr>
+          <p:cNvPr id="37" name="Group 36">
+            <a:extLst>
+              <a:ext uri="{FF2B5EF4-FFF2-40B4-BE49-F238E27FC236}">
+                <a16:creationId xmlns:a16="http://schemas.microsoft.com/office/drawing/2014/main" id="{E90CCFA0-D12A-2BFE-46FB-AED8C017A44C}"/>
+              </a:ext>
+            </a:extLst>
+          </p:cNvPr>
+          <p:cNvGrpSpPr>
+            <a:grpSpLocks noChangeAspect="1"/>
+          </p:cNvGrpSpPr>
+          <p:nvPr/>
+        </p:nvGrpSpPr>
+        <p:grpSpPr>
+          <a:xfrm>
+            <a:off x="99" y="234950"/>
+            <a:ext cx="12189703" cy="6254750"/>
+            <a:chOff x="610322" y="1643065"/>
+            <a:chExt cx="10242984" cy="5255854"/>
+          </a:xfrm>
+        </p:grpSpPr>
+        <p:grpSp>
+          <p:nvGrpSpPr>
+            <p:cNvPr id="27" name="Group 26">
+              <a:extLst>
+                <a:ext uri="{FF2B5EF4-FFF2-40B4-BE49-F238E27FC236}">
+                  <a16:creationId xmlns:a16="http://schemas.microsoft.com/office/drawing/2014/main" id="{A94D3533-E41C-FDE1-5855-3456118CE519}"/>
+                </a:ext>
+              </a:extLst>
+            </p:cNvPr>
+            <p:cNvGrpSpPr/>
+            <p:nvPr/>
+          </p:nvGrpSpPr>
+          <p:grpSpPr>
+            <a:xfrm>
+              <a:off x="2699998" y="1643065"/>
+              <a:ext cx="8153308" cy="5255854"/>
+              <a:chOff x="2962541" y="1643065"/>
+              <a:chExt cx="8153308" cy="5255854"/>
+            </a:xfrm>
+          </p:grpSpPr>
+          <p:pic>
+            <p:nvPicPr>
+              <p:cNvPr id="8" name="Picture 7">
+                <a:extLst>
+                  <a:ext uri="{FF2B5EF4-FFF2-40B4-BE49-F238E27FC236}">
+                    <a16:creationId xmlns:a16="http://schemas.microsoft.com/office/drawing/2014/main" id="{93E81EE5-40EE-D9EB-F53C-7E29FF46E2DD}"/>
+                  </a:ext>
+                </a:extLst>
+              </p:cNvPr>
+              <p:cNvPicPr>
+                <a:picLocks noChangeAspect="1"/>
+              </p:cNvPicPr>
+              <p:nvPr/>
+            </p:nvPicPr>
+            <p:blipFill rotWithShape="1">
+              <a:blip r:embed="rId2"/>
+              <a:srcRect t="21116" r="95629"/>
+              <a:stretch/>
+            </p:blipFill>
+            <p:spPr>
+              <a:xfrm>
+                <a:off x="2962541" y="2630680"/>
+                <a:ext cx="532980" cy="4268239"/>
+              </a:xfrm>
+              <a:prstGeom prst="rect">
+                <a:avLst/>
+              </a:prstGeom>
+            </p:spPr>
+          </p:pic>
+          <p:pic>
+            <p:nvPicPr>
+              <p:cNvPr id="26" name="Picture 25">
+                <a:extLst>
+                  <a:ext uri="{FF2B5EF4-FFF2-40B4-BE49-F238E27FC236}">
+                    <a16:creationId xmlns:a16="http://schemas.microsoft.com/office/drawing/2014/main" id="{EFA59ADF-D375-CB78-DB09-681F35F12AC2}"/>
+                  </a:ext>
+                </a:extLst>
+              </p:cNvPr>
+              <p:cNvPicPr>
+                <a:picLocks noChangeAspect="1"/>
+              </p:cNvPicPr>
+              <p:nvPr/>
+            </p:nvPicPr>
+            <p:blipFill rotWithShape="1">
+              <a:blip r:embed="rId2"/>
+              <a:srcRect l="4382" t="2864" r="33115" b="363"/>
+              <a:stretch/>
+            </p:blipFill>
+            <p:spPr>
+              <a:xfrm>
+                <a:off x="3495369" y="1643065"/>
+                <a:ext cx="7620480" cy="5236192"/>
+              </a:xfrm>
+              <a:prstGeom prst="rect">
+                <a:avLst/>
+              </a:prstGeom>
+            </p:spPr>
+          </p:pic>
+        </p:grpSp>
+        <p:grpSp>
+          <p:nvGrpSpPr>
+            <p:cNvPr id="25" name="Group 24">
+              <a:extLst>
+                <a:ext uri="{FF2B5EF4-FFF2-40B4-BE49-F238E27FC236}">
+                  <a16:creationId xmlns:a16="http://schemas.microsoft.com/office/drawing/2014/main" id="{5D61C4DD-A4D5-0287-492F-811415239508}"/>
+                </a:ext>
+              </a:extLst>
+            </p:cNvPr>
+            <p:cNvGrpSpPr/>
+            <p:nvPr/>
+          </p:nvGrpSpPr>
+          <p:grpSpPr>
+            <a:xfrm>
+              <a:off x="610322" y="2911806"/>
+              <a:ext cx="2089676" cy="2718372"/>
+              <a:chOff x="2699607" y="2507558"/>
+              <a:chExt cx="2089676" cy="2718372"/>
+            </a:xfrm>
+          </p:grpSpPr>
+          <p:pic>
+            <p:nvPicPr>
+              <p:cNvPr id="21" name="Picture 20">
+                <a:extLst>
+                  <a:ext uri="{FF2B5EF4-FFF2-40B4-BE49-F238E27FC236}">
+                    <a16:creationId xmlns:a16="http://schemas.microsoft.com/office/drawing/2014/main" id="{6BA08F90-B17D-DF46-A075-B33F9E1A0014}"/>
+                  </a:ext>
+                </a:extLst>
+              </p:cNvPr>
+              <p:cNvPicPr>
+                <a:picLocks noChangeAspect="1"/>
+              </p:cNvPicPr>
+              <p:nvPr/>
+            </p:nvPicPr>
+            <p:blipFill rotWithShape="1">
+              <a:blip r:embed="rId2"/>
+              <a:srcRect l="69812" t="74284" r="15086" b="2530"/>
+              <a:stretch/>
+            </p:blipFill>
+            <p:spPr>
+              <a:xfrm>
+                <a:off x="2699607" y="3801964"/>
+                <a:ext cx="2089676" cy="1423966"/>
+              </a:xfrm>
+              <a:prstGeom prst="rect">
+                <a:avLst/>
+              </a:prstGeom>
+            </p:spPr>
+          </p:pic>
+          <p:grpSp>
+            <p:nvGrpSpPr>
+              <p:cNvPr id="24" name="Group 23">
+                <a:extLst>
+                  <a:ext uri="{FF2B5EF4-FFF2-40B4-BE49-F238E27FC236}">
+                    <a16:creationId xmlns:a16="http://schemas.microsoft.com/office/drawing/2014/main" id="{D1A70D51-C75F-3516-3945-BBB6DF3378C8}"/>
+                  </a:ext>
+                </a:extLst>
+              </p:cNvPr>
+              <p:cNvGrpSpPr/>
+              <p:nvPr/>
+            </p:nvGrpSpPr>
+            <p:grpSpPr>
+              <a:xfrm>
+                <a:off x="2699607" y="2507558"/>
+                <a:ext cx="2089676" cy="1319577"/>
+                <a:chOff x="2699607" y="2507558"/>
+                <a:chExt cx="2089676" cy="1319577"/>
+              </a:xfrm>
+            </p:grpSpPr>
+            <p:grpSp>
+              <p:nvGrpSpPr>
+                <p:cNvPr id="23" name="Group 22">
+                  <a:extLst>
+                    <a:ext uri="{FF2B5EF4-FFF2-40B4-BE49-F238E27FC236}">
+                      <a16:creationId xmlns:a16="http://schemas.microsoft.com/office/drawing/2014/main" id="{C7E427BB-38A0-E5A4-9C4F-55653F6B9619}"/>
+                    </a:ext>
+                  </a:extLst>
+                </p:cNvPr>
+                <p:cNvGrpSpPr/>
+                <p:nvPr/>
+              </p:nvGrpSpPr>
+              <p:grpSpPr>
+                <a:xfrm>
+                  <a:off x="2699607" y="2507558"/>
+                  <a:ext cx="2089676" cy="1286959"/>
+                  <a:chOff x="2699607" y="2507558"/>
+                  <a:chExt cx="2089676" cy="1286959"/>
+                </a:xfrm>
+              </p:grpSpPr>
+              <p:pic>
+                <p:nvPicPr>
+                  <p:cNvPr id="18" name="Picture 17">
+                    <a:extLst>
+                      <a:ext uri="{FF2B5EF4-FFF2-40B4-BE49-F238E27FC236}">
+                        <a16:creationId xmlns:a16="http://schemas.microsoft.com/office/drawing/2014/main" id="{979E0CEF-9004-B45D-4ABB-192F6CD9EE1A}"/>
+                      </a:ext>
+                    </a:extLst>
+                  </p:cNvPr>
+                  <p:cNvPicPr>
+                    <a:picLocks noChangeAspect="1"/>
+                  </p:cNvPicPr>
+                  <p:nvPr/>
+                </p:nvPicPr>
+                <p:blipFill rotWithShape="1">
+                  <a:blip r:embed="rId2"/>
+                  <a:srcRect l="69812" t="54497" r="15086" b="25503"/>
+                  <a:stretch/>
+                </p:blipFill>
+                <p:spPr>
+                  <a:xfrm>
+                    <a:off x="2699607" y="2507558"/>
+                    <a:ext cx="2089676" cy="1228280"/>
+                  </a:xfrm>
+                  <a:prstGeom prst="rect">
+                    <a:avLst/>
+                  </a:prstGeom>
+                </p:spPr>
+              </p:pic>
+              <p:sp>
+                <p:nvSpPr>
+                  <p:cNvPr id="22" name="Rectangle 21">
+                    <a:extLst>
+                      <a:ext uri="{FF2B5EF4-FFF2-40B4-BE49-F238E27FC236}">
+                        <a16:creationId xmlns:a16="http://schemas.microsoft.com/office/drawing/2014/main" id="{4A4374C5-7F89-20C7-783F-907B81921B3A}"/>
+                      </a:ext>
+                    </a:extLst>
+                  </p:cNvPr>
+                  <p:cNvSpPr/>
+                  <p:nvPr/>
+                </p:nvSpPr>
+                <p:spPr>
+                  <a:xfrm>
+                    <a:off x="2718752" y="3733509"/>
+                    <a:ext cx="222488" cy="61008"/>
+                  </a:xfrm>
+                  <a:prstGeom prst="rect">
+                    <a:avLst/>
+                  </a:prstGeom>
+                  <a:solidFill>
+                    <a:schemeClr val="bg1"/>
+                  </a:solidFill>
+                  <a:ln>
+                    <a:solidFill>
+                      <a:schemeClr val="bg1"/>
+                    </a:solidFill>
+                  </a:ln>
+                </p:spPr>
+                <p:style>
+                  <a:lnRef idx="2">
+                    <a:schemeClr val="accent1">
+                      <a:shade val="50000"/>
+                    </a:schemeClr>
+                  </a:lnRef>
+                  <a:fillRef idx="1">
+                    <a:schemeClr val="accent1"/>
+                  </a:fillRef>
+                  <a:effectRef idx="0">
+                    <a:schemeClr val="accent1"/>
+                  </a:effectRef>
+                  <a:fontRef idx="minor">
+                    <a:schemeClr val="lt1"/>
+                  </a:fontRef>
+                </p:style>
+                <p:txBody>
+                  <a:bodyPr rtlCol="0" anchor="ctr"/>
+                  <a:lstStyle/>
+                  <a:p>
+                    <a:pPr algn="ctr"/>
+                    <a:endParaRPr lang="en-US"/>
+                  </a:p>
+                </p:txBody>
+              </p:sp>
+            </p:grpSp>
+            <p:pic>
+              <p:nvPicPr>
+                <p:cNvPr id="20" name="Picture 19">
+                  <a:extLst>
+                    <a:ext uri="{FF2B5EF4-FFF2-40B4-BE49-F238E27FC236}">
+                      <a16:creationId xmlns:a16="http://schemas.microsoft.com/office/drawing/2014/main" id="{C3563B41-313E-263D-E7D6-3CAC89369C16}"/>
+                    </a:ext>
+                  </a:extLst>
+                </p:cNvPr>
+                <p:cNvPicPr>
+                  <a:picLocks noChangeAspect="1"/>
+                </p:cNvPicPr>
+                <p:nvPr/>
+              </p:nvPicPr>
+              <p:blipFill rotWithShape="1">
+                <a:blip r:embed="rId2"/>
+                <a:srcRect l="85121" t="71724" r="2617" b="26016"/>
+                <a:stretch/>
+              </p:blipFill>
+              <p:spPr>
+                <a:xfrm>
+                  <a:off x="2960627" y="3688315"/>
+                  <a:ext cx="1696621" cy="138820"/>
+                </a:xfrm>
+                <a:prstGeom prst="rect">
+                  <a:avLst/>
+                </a:prstGeom>
+              </p:spPr>
+            </p:pic>
+          </p:grpSp>
+        </p:grpSp>
+        <p:pic>
+          <p:nvPicPr>
+            <p:cNvPr id="3" name="Picture 2">
+              <a:extLst>
+                <a:ext uri="{FF2B5EF4-FFF2-40B4-BE49-F238E27FC236}">
+                  <a16:creationId xmlns:a16="http://schemas.microsoft.com/office/drawing/2014/main" id="{3E09C606-58D7-10F5-FFE3-51FECF4843F7}"/>
+                </a:ext>
+              </a:extLst>
+            </p:cNvPr>
+            <p:cNvPicPr>
+              <a:picLocks noChangeAspect="1"/>
+            </p:cNvPicPr>
+            <p:nvPr/>
+          </p:nvPicPr>
+          <p:blipFill rotWithShape="1">
+            <a:blip r:embed="rId2"/>
+            <a:srcRect l="69810" t="13002" r="24088" b="78227"/>
+            <a:stretch/>
+          </p:blipFill>
+          <p:spPr>
+            <a:xfrm>
+              <a:off x="7441113" y="2070244"/>
+              <a:ext cx="844363" cy="538684"/>
+            </a:xfrm>
+            <a:prstGeom prst="rect">
+              <a:avLst/>
+            </a:prstGeom>
+          </p:spPr>
+        </p:pic>
+        <p:pic>
+          <p:nvPicPr>
+            <p:cNvPr id="7" name="Picture 6">
+              <a:extLst>
+                <a:ext uri="{FF2B5EF4-FFF2-40B4-BE49-F238E27FC236}">
+                  <a16:creationId xmlns:a16="http://schemas.microsoft.com/office/drawing/2014/main" id="{BD5916C4-9C7D-47C2-A062-BC2C5BA59052}"/>
+                </a:ext>
+              </a:extLst>
+            </p:cNvPr>
+            <p:cNvPicPr>
+              <a:picLocks noChangeAspect="1"/>
+            </p:cNvPicPr>
+            <p:nvPr/>
+          </p:nvPicPr>
+          <p:blipFill rotWithShape="1">
+            <a:blip r:embed="rId2"/>
+            <a:srcRect l="69812" t="42127" r="24105" b="44920"/>
+            <a:stretch/>
+          </p:blipFill>
+          <p:spPr>
+            <a:xfrm>
+              <a:off x="9129839" y="1878010"/>
+              <a:ext cx="841665" cy="795484"/>
+            </a:xfrm>
+            <a:prstGeom prst="rect">
+              <a:avLst/>
+            </a:prstGeom>
+          </p:spPr>
+        </p:pic>
+        <p:grpSp>
+          <p:nvGrpSpPr>
+            <p:cNvPr id="30" name="Group 29">
+              <a:extLst>
+                <a:ext uri="{FF2B5EF4-FFF2-40B4-BE49-F238E27FC236}">
+                  <a16:creationId xmlns:a16="http://schemas.microsoft.com/office/drawing/2014/main" id="{F55684F7-D194-1B15-1908-72BCE919EF73}"/>
+                </a:ext>
+              </a:extLst>
+            </p:cNvPr>
+            <p:cNvGrpSpPr/>
+            <p:nvPr/>
+          </p:nvGrpSpPr>
+          <p:grpSpPr>
+            <a:xfrm>
+              <a:off x="8285476" y="1919577"/>
+              <a:ext cx="844363" cy="687321"/>
+              <a:chOff x="8795086" y="1394842"/>
+              <a:chExt cx="844363" cy="687321"/>
+            </a:xfrm>
+          </p:grpSpPr>
+          <p:grpSp>
+            <p:nvGrpSpPr>
+              <p:cNvPr id="13" name="Group 12">
+                <a:extLst>
+                  <a:ext uri="{FF2B5EF4-FFF2-40B4-BE49-F238E27FC236}">
+                    <a16:creationId xmlns:a16="http://schemas.microsoft.com/office/drawing/2014/main" id="{E6839EA2-368A-2506-95C7-C9B7A30A4498}"/>
+                  </a:ext>
+                </a:extLst>
+              </p:cNvPr>
+              <p:cNvGrpSpPr>
+                <a:grpSpLocks noChangeAspect="1"/>
+              </p:cNvGrpSpPr>
+              <p:nvPr/>
+            </p:nvGrpSpPr>
+            <p:grpSpPr>
+              <a:xfrm>
+                <a:off x="8795086" y="1394842"/>
+                <a:ext cx="844363" cy="687321"/>
+                <a:chOff x="1412199" y="2765355"/>
+                <a:chExt cx="2679385" cy="2181049"/>
+              </a:xfrm>
+            </p:grpSpPr>
+            <p:pic>
+              <p:nvPicPr>
+                <p:cNvPr id="14" name="Picture 13">
+                  <a:extLst>
+                    <a:ext uri="{FF2B5EF4-FFF2-40B4-BE49-F238E27FC236}">
+                      <a16:creationId xmlns:a16="http://schemas.microsoft.com/office/drawing/2014/main" id="{035BBC38-0525-EEC3-0BDF-491FA1E9095B}"/>
+                    </a:ext>
+                  </a:extLst>
+                </p:cNvPr>
+                <p:cNvPicPr>
+                  <a:picLocks noChangeAspect="1"/>
+                </p:cNvPicPr>
+                <p:nvPr/>
+              </p:nvPicPr>
+              <p:blipFill rotWithShape="1">
+                <a:blip r:embed="rId2"/>
+                <a:srcRect l="69810" t="26688" r="24088" b="65121"/>
+                <a:stretch/>
+              </p:blipFill>
+              <p:spPr>
+                <a:xfrm>
+                  <a:off x="1412199" y="2765355"/>
+                  <a:ext cx="2679385" cy="1596328"/>
+                </a:xfrm>
+                <a:prstGeom prst="rect">
+                  <a:avLst/>
+                </a:prstGeom>
+              </p:spPr>
+            </p:pic>
+            <p:pic>
+              <p:nvPicPr>
+                <p:cNvPr id="15" name="Picture 14">
+                  <a:extLst>
+                    <a:ext uri="{FF2B5EF4-FFF2-40B4-BE49-F238E27FC236}">
+                      <a16:creationId xmlns:a16="http://schemas.microsoft.com/office/drawing/2014/main" id="{055C5680-9649-935A-8EF9-D72A403410A5}"/>
+                    </a:ext>
+                  </a:extLst>
+                </p:cNvPr>
+                <p:cNvPicPr>
+                  <a:picLocks noChangeAspect="1"/>
+                </p:cNvPicPr>
+                <p:nvPr/>
+              </p:nvPicPr>
+              <p:blipFill rotWithShape="1">
+                <a:blip r:embed="rId2"/>
+                <a:srcRect l="68769" t="19815" r="30490" b="77800"/>
+                <a:stretch/>
+              </p:blipFill>
+              <p:spPr>
+                <a:xfrm>
+                  <a:off x="2224989" y="3804005"/>
+                  <a:ext cx="325466" cy="464949"/>
+                </a:xfrm>
+                <a:prstGeom prst="rect">
+                  <a:avLst/>
+                </a:prstGeom>
+              </p:spPr>
+            </p:pic>
+            <p:pic>
+              <p:nvPicPr>
+                <p:cNvPr id="16" name="Picture 15">
+                  <a:extLst>
+                    <a:ext uri="{FF2B5EF4-FFF2-40B4-BE49-F238E27FC236}">
+                      <a16:creationId xmlns:a16="http://schemas.microsoft.com/office/drawing/2014/main" id="{893E0249-FCEC-E76A-781C-7F4316D2DA5A}"/>
+                    </a:ext>
+                  </a:extLst>
+                </p:cNvPr>
+                <p:cNvPicPr>
+                  <a:picLocks noChangeAspect="1"/>
+                </p:cNvPicPr>
+                <p:nvPr/>
+              </p:nvPicPr>
+              <p:blipFill rotWithShape="1">
+                <a:blip r:embed="rId2"/>
+                <a:srcRect l="69810" t="37810" r="24088" b="59190"/>
+                <a:stretch/>
+              </p:blipFill>
+              <p:spPr>
+                <a:xfrm>
+                  <a:off x="1412199" y="4361683"/>
+                  <a:ext cx="2679385" cy="584721"/>
+                </a:xfrm>
+                <a:prstGeom prst="rect">
+                  <a:avLst/>
+                </a:prstGeom>
+              </p:spPr>
+            </p:pic>
+          </p:grpSp>
+          <p:sp>
+            <p:nvSpPr>
+              <p:cNvPr id="29" name="Rectangle 28">
+                <a:extLst>
+                  <a:ext uri="{FF2B5EF4-FFF2-40B4-BE49-F238E27FC236}">
+                    <a16:creationId xmlns:a16="http://schemas.microsoft.com/office/drawing/2014/main" id="{34BF1F02-7637-B74F-D182-65C94C72C3E9}"/>
+                  </a:ext>
+                </a:extLst>
+              </p:cNvPr>
+              <p:cNvSpPr/>
+              <p:nvPr/>
+            </p:nvSpPr>
+            <p:spPr>
+              <a:xfrm>
+                <a:off x="9133007" y="1738495"/>
+                <a:ext cx="102565" cy="45719"/>
+              </a:xfrm>
+              <a:prstGeom prst="rect">
+                <a:avLst/>
+              </a:prstGeom>
+              <a:solidFill>
+                <a:schemeClr val="bg1"/>
+              </a:solidFill>
+              <a:ln>
+                <a:solidFill>
+                  <a:schemeClr val="bg1"/>
+                </a:solidFill>
+              </a:ln>
+            </p:spPr>
+            <p:style>
+              <a:lnRef idx="2">
+                <a:schemeClr val="accent1">
+                  <a:shade val="50000"/>
+                </a:schemeClr>
+              </a:lnRef>
+              <a:fillRef idx="1">
+                <a:schemeClr val="accent1"/>
+              </a:fillRef>
+              <a:effectRef idx="0">
+                <a:schemeClr val="accent1"/>
+              </a:effectRef>
+              <a:fontRef idx="minor">
+                <a:schemeClr val="lt1"/>
+              </a:fontRef>
+            </p:style>
+            <p:txBody>
+              <a:bodyPr rtlCol="0" anchor="ctr"/>
+              <a:lstStyle/>
+              <a:p>
+                <a:pPr algn="ctr"/>
+                <a:endParaRPr lang="en-US"/>
+              </a:p>
+            </p:txBody>
+          </p:sp>
+        </p:grpSp>
+        <p:grpSp>
+          <p:nvGrpSpPr>
+            <p:cNvPr id="36" name="Group 35">
+              <a:extLst>
+                <a:ext uri="{FF2B5EF4-FFF2-40B4-BE49-F238E27FC236}">
+                  <a16:creationId xmlns:a16="http://schemas.microsoft.com/office/drawing/2014/main" id="{3FF86217-9155-3FBA-11D8-AB2065FCC79F}"/>
+                </a:ext>
+              </a:extLst>
+            </p:cNvPr>
+            <p:cNvGrpSpPr/>
+            <p:nvPr/>
+          </p:nvGrpSpPr>
+          <p:grpSpPr>
+            <a:xfrm>
+              <a:off x="2070010" y="1664924"/>
+              <a:ext cx="758630" cy="2058081"/>
+              <a:chOff x="2070010" y="1664924"/>
+              <a:chExt cx="758630" cy="2058081"/>
+            </a:xfrm>
+          </p:grpSpPr>
+          <p:pic>
+            <p:nvPicPr>
+              <p:cNvPr id="34" name="Picture 33">
+                <a:extLst>
+                  <a:ext uri="{FF2B5EF4-FFF2-40B4-BE49-F238E27FC236}">
+                    <a16:creationId xmlns:a16="http://schemas.microsoft.com/office/drawing/2014/main" id="{5C4D5874-75C0-0E35-5FAF-84AFA2503335}"/>
+                  </a:ext>
+                </a:extLst>
+              </p:cNvPr>
+              <p:cNvPicPr>
+                <a:picLocks noChangeAspect="1"/>
+              </p:cNvPicPr>
+              <p:nvPr/>
+            </p:nvPicPr>
+            <p:blipFill rotWithShape="1">
+              <a:blip r:embed="rId2"/>
+              <a:srcRect l="67340" t="13081" r="30072" b="55712"/>
+              <a:stretch/>
+            </p:blipFill>
+            <p:spPr>
+              <a:xfrm>
+                <a:off x="2366260" y="2034482"/>
+                <a:ext cx="315537" cy="1688523"/>
+              </a:xfrm>
+              <a:prstGeom prst="rect">
+                <a:avLst/>
+              </a:prstGeom>
+            </p:spPr>
+          </p:pic>
+          <p:sp>
+            <p:nvSpPr>
+              <p:cNvPr id="35" name="TextBox 34">
+                <a:extLst>
+                  <a:ext uri="{FF2B5EF4-FFF2-40B4-BE49-F238E27FC236}">
+                    <a16:creationId xmlns:a16="http://schemas.microsoft.com/office/drawing/2014/main" id="{5D9E680D-C182-D3D1-5D3C-C3569B4D6E7E}"/>
+                  </a:ext>
+                </a:extLst>
+              </p:cNvPr>
+              <p:cNvSpPr txBox="1"/>
+              <p:nvPr/>
+            </p:nvSpPr>
+            <p:spPr>
+              <a:xfrm>
+                <a:off x="2070010" y="1664924"/>
+                <a:ext cx="758630" cy="362074"/>
+              </a:xfrm>
+              <a:prstGeom prst="rect">
+                <a:avLst/>
+              </a:prstGeom>
+              <a:noFill/>
+            </p:spPr>
+            <p:txBody>
+              <a:bodyPr wrap="none" rtlCol="0">
+                <a:spAutoFit/>
+              </a:bodyPr>
+              <a:lstStyle/>
+              <a:p>
+                <a:pPr algn="ctr"/>
+                <a:r>
+                  <a:rPr lang="en-US" sz="1100" b="1" dirty="0"/>
+                  <a:t>Read counts</a:t>
+                </a:r>
+                <a:br>
+                  <a:rPr lang="en-US" sz="1100" b="1" dirty="0"/>
+                </a:br>
+                <a:r>
+                  <a:rPr lang="en-US" sz="1100" b="1" dirty="0"/>
+                  <a:t>(Z-scale)</a:t>
+                </a:r>
+              </a:p>
+            </p:txBody>
+          </p:sp>
+        </p:grpSp>
+      </p:grpSp>
+      <p:sp>
+        <p:nvSpPr>
+          <p:cNvPr id="39" name="TextBox 38">
+            <a:extLst>
+              <a:ext uri="{FF2B5EF4-FFF2-40B4-BE49-F238E27FC236}">
+                <a16:creationId xmlns:a16="http://schemas.microsoft.com/office/drawing/2014/main" id="{55C12D73-3216-0538-D5C9-8B53B64C487D}"/>
+              </a:ext>
+            </a:extLst>
+          </p:cNvPr>
+          <p:cNvSpPr txBox="1"/>
+          <p:nvPr/>
+        </p:nvSpPr>
+        <p:spPr>
+          <a:xfrm rot="2700000">
+            <a:off x="3458549" y="6416134"/>
+            <a:ext cx="170789" cy="169277"/>
+          </a:xfrm>
+          <a:prstGeom prst="rect">
+            <a:avLst/>
+          </a:prstGeom>
+          <a:solidFill>
+            <a:srgbClr val="FFFFFF"/>
+          </a:solidFill>
+        </p:spPr>
+        <p:txBody>
+          <a:bodyPr wrap="square" lIns="0" tIns="0" rIns="0" bIns="0">
+            <a:spAutoFit/>
+          </a:bodyPr>
+          <a:lstStyle/>
+          <a:p>
+            <a:r>
+              <a:rPr lang="en-US" sz="1100" b="1" dirty="0"/>
+              <a:t>(s)</a:t>
+            </a:r>
+            <a:endParaRPr lang="en-US" sz="1100" dirty="0"/>
+          </a:p>
+        </p:txBody>
+      </p:sp>
+    </p:spTree>
+    <p:extLst>
+      <p:ext uri="{BB962C8B-B14F-4D97-AF65-F5344CB8AC3E}">
+        <p14:creationId xmlns:p14="http://schemas.microsoft.com/office/powerpoint/2010/main" val="1145615728"/>
+      </p:ext>
+    </p:extLst>
+  </p:cSld>
+  <p:clrMapOvr>
+    <a:masterClrMapping/>
+  </p:clrMapOvr>
+</p:sld>
+</file>
+
+<file path=ppt/slides/slide4.xml><?xml version="1.0" encoding="utf-8"?>
+<p:sld xmlns:a="http://schemas.openxmlformats.org/drawingml/2006/main" xmlns:r="http://schemas.openxmlformats.org/officeDocument/2006/relationships" xmlns:p="http://schemas.openxmlformats.org/presentationml/2006/main">
+  <p:cSld>
+    <p:spTree>
+      <p:nvGrpSpPr>
+        <p:cNvPr id="1" name=""/>
+        <p:cNvGrpSpPr/>
+        <p:nvPr/>
+      </p:nvGrpSpPr>
+      <p:grpSpPr>
+        <a:xfrm>
+          <a:off x="0" y="0"/>
+          <a:ext cx="0" cy="0"/>
+          <a:chOff x="0" y="0"/>
+          <a:chExt cx="0" cy="0"/>
+        </a:xfrm>
+      </p:grpSpPr>
       <p:pic>
         <p:nvPicPr>
           <p:cNvPr id="8" name="Picture 7">
@@ -3627,13 +4350,13 @@
         </p:nvPicPr>
         <p:blipFill rotWithShape="1">
           <a:blip r:embed="rId2"/>
-          <a:srcRect t="2863"/>
+          <a:srcRect t="2863" r="32697"/>
           <a:stretch/>
         </p:blipFill>
         <p:spPr>
           <a:xfrm>
             <a:off x="0" y="878541"/>
-            <a:ext cx="12192000" cy="5255854"/>
+            <a:ext cx="8205537" cy="5255854"/>
           </a:xfrm>
           <a:prstGeom prst="rect">
             <a:avLst/>
@@ -3739,10 +4462,307 @@
           </a:p>
         </p:txBody>
       </p:sp>
+      <p:pic>
+        <p:nvPicPr>
+          <p:cNvPr id="2" name="Picture 1">
+            <a:extLst>
+              <a:ext uri="{FF2B5EF4-FFF2-40B4-BE49-F238E27FC236}">
+                <a16:creationId xmlns:a16="http://schemas.microsoft.com/office/drawing/2014/main" id="{D5C5C878-4654-399D-6E57-70501F9263D4}"/>
+              </a:ext>
+            </a:extLst>
+          </p:cNvPr>
+          <p:cNvPicPr>
+            <a:picLocks noChangeAspect="1"/>
+          </p:cNvPicPr>
+          <p:nvPr/>
+        </p:nvPicPr>
+        <p:blipFill rotWithShape="1">
+          <a:blip r:embed="rId2"/>
+          <a:srcRect l="69810" t="13312" r="24088" b="59190"/>
+          <a:stretch/>
+        </p:blipFill>
+        <p:spPr>
+          <a:xfrm>
+            <a:off x="8663552" y="1596325"/>
+            <a:ext cx="743919" cy="1487838"/>
+          </a:xfrm>
+          <a:prstGeom prst="rect">
+            <a:avLst/>
+          </a:prstGeom>
+        </p:spPr>
+      </p:pic>
     </p:spTree>
     <p:extLst>
       <p:ext uri="{BB962C8B-B14F-4D97-AF65-F5344CB8AC3E}">
-        <p14:creationId xmlns:p14="http://schemas.microsoft.com/office/powerpoint/2010/main" val="1145615728"/>
+        <p14:creationId xmlns:p14="http://schemas.microsoft.com/office/powerpoint/2010/main" val="1506647603"/>
+      </p:ext>
+    </p:extLst>
+  </p:cSld>
+  <p:clrMapOvr>
+    <a:masterClrMapping/>
+  </p:clrMapOvr>
+</p:sld>
+</file>
+
+<file path=ppt/slides/slide5.xml><?xml version="1.0" encoding="utf-8"?>
+<p:sld xmlns:a="http://schemas.openxmlformats.org/drawingml/2006/main" xmlns:r="http://schemas.openxmlformats.org/officeDocument/2006/relationships" xmlns:p="http://schemas.openxmlformats.org/presentationml/2006/main">
+  <p:cSld>
+    <p:spTree>
+      <p:nvGrpSpPr>
+        <p:cNvPr id="1" name=""/>
+        <p:cNvGrpSpPr/>
+        <p:nvPr/>
+      </p:nvGrpSpPr>
+      <p:grpSpPr>
+        <a:xfrm>
+          <a:off x="0" y="0"/>
+          <a:ext cx="0" cy="0"/>
+          <a:chOff x="0" y="0"/>
+          <a:chExt cx="0" cy="0"/>
+        </a:xfrm>
+      </p:grpSpPr>
+      <p:sp>
+        <p:nvSpPr>
+          <p:cNvPr id="9" name="TextBox 8">
+            <a:extLst>
+              <a:ext uri="{FF2B5EF4-FFF2-40B4-BE49-F238E27FC236}">
+                <a16:creationId xmlns:a16="http://schemas.microsoft.com/office/drawing/2014/main" id="{85435222-A078-44B4-987D-7BD9FE1F721A}"/>
+              </a:ext>
+            </a:extLst>
+          </p:cNvPr>
+          <p:cNvSpPr txBox="1"/>
+          <p:nvPr/>
+        </p:nvSpPr>
+        <p:spPr>
+          <a:xfrm>
+            <a:off x="5320216" y="166762"/>
+            <a:ext cx="2581476" cy="923330"/>
+          </a:xfrm>
+          <a:prstGeom prst="rect">
+            <a:avLst/>
+          </a:prstGeom>
+          <a:noFill/>
+        </p:spPr>
+        <p:txBody>
+          <a:bodyPr wrap="none" rtlCol="0">
+            <a:spAutoFit/>
+          </a:bodyPr>
+          <a:lstStyle/>
+          <a:p>
+            <a:r>
+              <a:rPr lang="en-US" dirty="0"/>
+              <a:t>Count data = percentages</a:t>
+            </a:r>
+          </a:p>
+          <a:p>
+            <a:r>
+              <a:rPr lang="en-US" dirty="0"/>
+              <a:t>Distance = Euclidean</a:t>
+            </a:r>
+          </a:p>
+          <a:p>
+            <a:r>
+              <a:rPr lang="en-US" dirty="0"/>
+              <a:t>Clustering = ward.d2</a:t>
+            </a:r>
+          </a:p>
+        </p:txBody>
+      </p:sp>
+      <p:sp>
+        <p:nvSpPr>
+          <p:cNvPr id="10" name="Title 1">
+            <a:extLst>
+              <a:ext uri="{FF2B5EF4-FFF2-40B4-BE49-F238E27FC236}">
+                <a16:creationId xmlns:a16="http://schemas.microsoft.com/office/drawing/2014/main" id="{811A9057-23C5-6CC0-6ABD-A6705E22F102}"/>
+              </a:ext>
+            </a:extLst>
+          </p:cNvPr>
+          <p:cNvSpPr txBox="1">
+            <a:spLocks/>
+          </p:cNvSpPr>
+          <p:nvPr/>
+        </p:nvSpPr>
+        <p:spPr>
+          <a:xfrm>
+            <a:off x="1362636" y="0"/>
+            <a:ext cx="9144000" cy="933543"/>
+          </a:xfrm>
+          <a:prstGeom prst="rect">
+            <a:avLst/>
+          </a:prstGeom>
+        </p:spPr>
+        <p:txBody>
+          <a:bodyPr/>
+          <a:lstStyle>
+            <a:lvl1pPr algn="l" defTabSz="914400" rtl="0" eaLnBrk="1" latinLnBrk="0" hangingPunct="1">
+              <a:lnSpc>
+                <a:spcPct val="90000"/>
+              </a:lnSpc>
+              <a:spcBef>
+                <a:spcPct val="0"/>
+              </a:spcBef>
+              <a:buNone/>
+              <a:defRPr sz="4400" kern="1200">
+                <a:solidFill>
+                  <a:schemeClr val="tx1"/>
+                </a:solidFill>
+                <a:latin typeface="+mj-lt"/>
+                <a:ea typeface="+mj-ea"/>
+                <a:cs typeface="+mj-cs"/>
+              </a:defRPr>
+            </a:lvl1pPr>
+          </a:lstStyle>
+          <a:p>
+            <a:r>
+              <a:rPr lang="en-US" dirty="0"/>
+              <a:t>New one</a:t>
+            </a:r>
+          </a:p>
+        </p:txBody>
+      </p:sp>
+      <p:pic>
+        <p:nvPicPr>
+          <p:cNvPr id="2" name="Picture 1">
+            <a:extLst>
+              <a:ext uri="{FF2B5EF4-FFF2-40B4-BE49-F238E27FC236}">
+                <a16:creationId xmlns:a16="http://schemas.microsoft.com/office/drawing/2014/main" id="{D5C5C878-4654-399D-6E57-70501F9263D4}"/>
+              </a:ext>
+            </a:extLst>
+          </p:cNvPr>
+          <p:cNvPicPr>
+            <a:picLocks noChangeAspect="1"/>
+          </p:cNvPicPr>
+          <p:nvPr/>
+        </p:nvPicPr>
+        <p:blipFill rotWithShape="1">
+          <a:blip r:embed="rId2"/>
+          <a:srcRect l="69810" t="13312" r="24088" b="59190"/>
+          <a:stretch/>
+        </p:blipFill>
+        <p:spPr>
+          <a:xfrm>
+            <a:off x="402148" y="933543"/>
+            <a:ext cx="754434" cy="1508868"/>
+          </a:xfrm>
+          <a:prstGeom prst="rect">
+            <a:avLst/>
+          </a:prstGeom>
+        </p:spPr>
+      </p:pic>
+      <p:grpSp>
+        <p:nvGrpSpPr>
+          <p:cNvPr id="6" name="Group 5">
+            <a:extLst>
+              <a:ext uri="{FF2B5EF4-FFF2-40B4-BE49-F238E27FC236}">
+                <a16:creationId xmlns:a16="http://schemas.microsoft.com/office/drawing/2014/main" id="{B1675DC1-52F7-8217-829B-7D0048148370}"/>
+              </a:ext>
+            </a:extLst>
+          </p:cNvPr>
+          <p:cNvGrpSpPr>
+            <a:grpSpLocks noChangeAspect="1"/>
+          </p:cNvGrpSpPr>
+          <p:nvPr/>
+        </p:nvGrpSpPr>
+        <p:grpSpPr>
+          <a:xfrm>
+            <a:off x="5251637" y="1688031"/>
+            <a:ext cx="844363" cy="1508760"/>
+            <a:chOff x="1412199" y="933542"/>
+            <a:chExt cx="2679385" cy="4787689"/>
+          </a:xfrm>
+        </p:grpSpPr>
+        <p:pic>
+          <p:nvPicPr>
+            <p:cNvPr id="3" name="Picture 2">
+              <a:extLst>
+                <a:ext uri="{FF2B5EF4-FFF2-40B4-BE49-F238E27FC236}">
+                  <a16:creationId xmlns:a16="http://schemas.microsoft.com/office/drawing/2014/main" id="{BDAA0366-11B2-19B6-2C0F-BE6AD0B3F3F2}"/>
+                </a:ext>
+              </a:extLst>
+            </p:cNvPr>
+            <p:cNvPicPr>
+              <a:picLocks noChangeAspect="1"/>
+            </p:cNvPicPr>
+            <p:nvPr/>
+          </p:nvPicPr>
+          <p:blipFill rotWithShape="1">
+            <a:blip r:embed="rId2"/>
+            <a:srcRect l="69810" t="13312" r="24088" b="65121"/>
+            <a:stretch/>
+          </p:blipFill>
+          <p:spPr>
+            <a:xfrm>
+              <a:off x="1412199" y="933542"/>
+              <a:ext cx="2679385" cy="4202967"/>
+            </a:xfrm>
+            <a:prstGeom prst="rect">
+              <a:avLst/>
+            </a:prstGeom>
+          </p:spPr>
+        </p:pic>
+        <p:pic>
+          <p:nvPicPr>
+            <p:cNvPr id="4" name="Picture 3">
+              <a:extLst>
+                <a:ext uri="{FF2B5EF4-FFF2-40B4-BE49-F238E27FC236}">
+                  <a16:creationId xmlns:a16="http://schemas.microsoft.com/office/drawing/2014/main" id="{7B71E6D6-E420-FA5A-2F2C-0BD8391A75F0}"/>
+                </a:ext>
+              </a:extLst>
+            </p:cNvPr>
+            <p:cNvPicPr>
+              <a:picLocks noChangeAspect="1"/>
+            </p:cNvPicPr>
+            <p:nvPr/>
+          </p:nvPicPr>
+          <p:blipFill rotWithShape="1">
+            <a:blip r:embed="rId2"/>
+            <a:srcRect l="68769" t="19815" r="30490" b="77800"/>
+            <a:stretch/>
+          </p:blipFill>
+          <p:spPr>
+            <a:xfrm>
+              <a:off x="2224990" y="4578831"/>
+              <a:ext cx="325465" cy="464950"/>
+            </a:xfrm>
+            <a:prstGeom prst="rect">
+              <a:avLst/>
+            </a:prstGeom>
+          </p:spPr>
+        </p:pic>
+        <p:pic>
+          <p:nvPicPr>
+            <p:cNvPr id="5" name="Picture 4">
+              <a:extLst>
+                <a:ext uri="{FF2B5EF4-FFF2-40B4-BE49-F238E27FC236}">
+                  <a16:creationId xmlns:a16="http://schemas.microsoft.com/office/drawing/2014/main" id="{1538287E-098D-E311-14FD-B493ACC283FD}"/>
+                </a:ext>
+              </a:extLst>
+            </p:cNvPr>
+            <p:cNvPicPr>
+              <a:picLocks noChangeAspect="1"/>
+            </p:cNvPicPr>
+            <p:nvPr/>
+          </p:nvPicPr>
+          <p:blipFill rotWithShape="1">
+            <a:blip r:embed="rId2"/>
+            <a:srcRect l="69810" t="37810" r="24088" b="59190"/>
+            <a:stretch/>
+          </p:blipFill>
+          <p:spPr>
+            <a:xfrm>
+              <a:off x="1412199" y="5136509"/>
+              <a:ext cx="2679385" cy="584722"/>
+            </a:xfrm>
+            <a:prstGeom prst="rect">
+              <a:avLst/>
+            </a:prstGeom>
+          </p:spPr>
+        </p:pic>
+      </p:grpSp>
+    </p:spTree>
+    <p:extLst>
+      <p:ext uri="{BB962C8B-B14F-4D97-AF65-F5344CB8AC3E}">
+        <p14:creationId xmlns:p14="http://schemas.microsoft.com/office/powerpoint/2010/main" val="1742971658"/>
       </p:ext>
     </p:extLst>
   </p:cSld>
